--- a/Multistage Graph/COMP6049 Pert 14 - rhio-edit.pptx
+++ b/Multistage Graph/COMP6049 Pert 14 - rhio-edit.pptx
@@ -872,7 +872,7 @@
             <a:fld id="{F5CE91A7-7D36-48F8-8968-B2E8F6265043}" type="datetimeFigureOut">
               <a:rPr lang="en-US" smtClean="0"/>
               <a:pPr/>
-              <a:t>17-Nov-21</a:t>
+              <a:t>02-Jan-23</a:t>
             </a:fld>
             <a:endParaRPr lang="en-US"/>
           </a:p>
@@ -1490,7 +1490,7 @@
             <a:fld id="{5EF9B71C-2D91-4D15-BAB7-ADA66F828B46}" type="datetimeFigureOut">
               <a:rPr lang="id-ID" smtClean="0"/>
               <a:pPr/>
-              <a:t>17/11/2021</a:t>
+              <a:t>02/01/2023</a:t>
             </a:fld>
             <a:endParaRPr lang="id-ID"/>
           </a:p>
@@ -1672,7 +1672,7 @@
             <a:fld id="{5EF9B71C-2D91-4D15-BAB7-ADA66F828B46}" type="datetimeFigureOut">
               <a:rPr lang="id-ID" smtClean="0"/>
               <a:pPr/>
-              <a:t>17/11/2021</a:t>
+              <a:t>02/01/2023</a:t>
             </a:fld>
             <a:endParaRPr lang="id-ID"/>
           </a:p>
@@ -1854,7 +1854,7 @@
             <a:fld id="{5EF9B71C-2D91-4D15-BAB7-ADA66F828B46}" type="datetimeFigureOut">
               <a:rPr lang="id-ID" smtClean="0"/>
               <a:pPr/>
-              <a:t>17/11/2021</a:t>
+              <a:t>02/01/2023</a:t>
             </a:fld>
             <a:endParaRPr lang="id-ID"/>
           </a:p>
@@ -2871,7 +2871,7 @@
             <a:fld id="{5EF9B71C-2D91-4D15-BAB7-ADA66F828B46}" type="datetimeFigureOut">
               <a:rPr lang="id-ID" smtClean="0"/>
               <a:pPr/>
-              <a:t>17/11/2021</a:t>
+              <a:t>02/01/2023</a:t>
             </a:fld>
             <a:endParaRPr lang="id-ID"/>
           </a:p>
@@ -3261,7 +3261,7 @@
             <a:fld id="{5EF9B71C-2D91-4D15-BAB7-ADA66F828B46}" type="datetimeFigureOut">
               <a:rPr lang="id-ID" smtClean="0"/>
               <a:pPr/>
-              <a:t>17/11/2021</a:t>
+              <a:t>02/01/2023</a:t>
             </a:fld>
             <a:endParaRPr lang="id-ID"/>
           </a:p>
@@ -3555,7 +3555,7 @@
             <a:fld id="{5EF9B71C-2D91-4D15-BAB7-ADA66F828B46}" type="datetimeFigureOut">
               <a:rPr lang="id-ID" smtClean="0"/>
               <a:pPr/>
-              <a:t>17/11/2021</a:t>
+              <a:t>02/01/2023</a:t>
             </a:fld>
             <a:endParaRPr lang="id-ID"/>
           </a:p>
@@ -3925,7 +3925,7 @@
             <a:fld id="{5EF9B71C-2D91-4D15-BAB7-ADA66F828B46}" type="datetimeFigureOut">
               <a:rPr lang="id-ID" smtClean="0"/>
               <a:pPr/>
-              <a:t>17/11/2021</a:t>
+              <a:t>02/01/2023</a:t>
             </a:fld>
             <a:endParaRPr lang="id-ID"/>
           </a:p>
@@ -4112,7 +4112,7 @@
             <a:fld id="{5EF9B71C-2D91-4D15-BAB7-ADA66F828B46}" type="datetimeFigureOut">
               <a:rPr lang="id-ID" smtClean="0"/>
               <a:pPr/>
-              <a:t>17/11/2021</a:t>
+              <a:t>02/01/2023</a:t>
             </a:fld>
             <a:endParaRPr lang="id-ID"/>
           </a:p>
@@ -4209,7 +4209,7 @@
             <a:fld id="{5EF9B71C-2D91-4D15-BAB7-ADA66F828B46}" type="datetimeFigureOut">
               <a:rPr lang="id-ID" smtClean="0"/>
               <a:pPr/>
-              <a:t>17/11/2021</a:t>
+              <a:t>02/01/2023</a:t>
             </a:fld>
             <a:endParaRPr lang="id-ID"/>
           </a:p>
@@ -4584,7 +4584,7 @@
             <a:fld id="{5EF9B71C-2D91-4D15-BAB7-ADA66F828B46}" type="datetimeFigureOut">
               <a:rPr lang="id-ID" smtClean="0"/>
               <a:pPr/>
-              <a:t>17/11/2021</a:t>
+              <a:t>02/01/2023</a:t>
             </a:fld>
             <a:endParaRPr lang="id-ID"/>
           </a:p>
@@ -4843,7 +4843,7 @@
             <a:fld id="{5EF9B71C-2D91-4D15-BAB7-ADA66F828B46}" type="datetimeFigureOut">
               <a:rPr lang="id-ID" smtClean="0"/>
               <a:pPr/>
-              <a:t>17/11/2021</a:t>
+              <a:t>02/01/2023</a:t>
             </a:fld>
             <a:endParaRPr lang="id-ID"/>
           </a:p>
@@ -5158,7 +5158,7 @@
             <a:fld id="{5EF9B71C-2D91-4D15-BAB7-ADA66F828B46}" type="datetimeFigureOut">
               <a:rPr lang="id-ID" smtClean="0"/>
               <a:pPr/>
-              <a:t>17/11/2021</a:t>
+              <a:t>02/01/2023</a:t>
             </a:fld>
             <a:endParaRPr lang="id-ID"/>
           </a:p>
@@ -14551,7 +14551,7 @@
           <p:nvPr>
             <p:extLst>
               <p:ext uri="{D42A27DB-BD31-4B8C-83A1-F6EECF244321}">
-                <p14:modId xmlns:p14="http://schemas.microsoft.com/office/powerpoint/2010/main" val="398424530"/>
+                <p14:modId xmlns:p14="http://schemas.microsoft.com/office/powerpoint/2010/main" val="3071048654"/>
               </p:ext>
             </p:extLst>
           </p:nvPr>
@@ -14584,7 +14584,7 @@
                         <a:buChar char="•"/>
                       </a:pPr>
                       <a:r>
-                        <a:rPr lang="en-US" sz="2400"/>
+                        <a:rPr lang="en-US" sz="2400" dirty="0"/>
                         <a:t>Multistage Graph problem </a:t>
                       </a:r>
                     </a:p>
@@ -14621,7 +14621,7 @@
                         <a:buChar char="•"/>
                       </a:pPr>
                       <a:r>
-                        <a:rPr lang="en-US" sz="2400"/>
+                        <a:rPr lang="en-US" sz="2400" dirty="0"/>
                         <a:t>Forward technique </a:t>
                       </a:r>
                     </a:p>
@@ -16778,7 +16778,7 @@
                 <a:spcPct val="90000"/>
               </a:lnSpc>
             </a:pPr>
-            <a:endParaRPr lang="en-US"/>
+            <a:endParaRPr lang="en-US" dirty="0"/>
           </a:p>
           <a:p>
             <a:pPr eaLnBrk="1" hangingPunct="1">
@@ -16786,7 +16786,7 @@
                 <a:spcPct val="90000"/>
               </a:lnSpc>
             </a:pPr>
-            <a:endParaRPr lang="en-US"/>
+            <a:endParaRPr lang="en-US" dirty="0"/>
           </a:p>
           <a:p>
             <a:pPr eaLnBrk="1" hangingPunct="1">
@@ -16794,7 +16794,7 @@
                 <a:spcPct val="90000"/>
               </a:lnSpc>
             </a:pPr>
-            <a:endParaRPr lang="en-US"/>
+            <a:endParaRPr lang="en-US" dirty="0"/>
           </a:p>
           <a:p>
             <a:pPr eaLnBrk="1" hangingPunct="1">
@@ -16802,7 +16802,7 @@
                 <a:spcPct val="90000"/>
               </a:lnSpc>
             </a:pPr>
-            <a:endParaRPr lang="en-US"/>
+            <a:endParaRPr lang="en-US" dirty="0"/>
           </a:p>
           <a:p>
             <a:pPr eaLnBrk="1" hangingPunct="1">
@@ -16810,7 +16810,7 @@
                 <a:spcPct val="90000"/>
               </a:lnSpc>
             </a:pPr>
-            <a:endParaRPr lang="en-US"/>
+            <a:endParaRPr lang="en-US" dirty="0"/>
           </a:p>
           <a:p>
             <a:pPr eaLnBrk="1" hangingPunct="1">
@@ -16818,7 +16818,7 @@
                 <a:spcPct val="90000"/>
               </a:lnSpc>
             </a:pPr>
-            <a:endParaRPr lang="en-US"/>
+            <a:endParaRPr lang="en-US" dirty="0"/>
           </a:p>
           <a:p>
             <a:pPr eaLnBrk="1" hangingPunct="1">
@@ -16826,7 +16826,7 @@
                 <a:spcPct val="90000"/>
               </a:lnSpc>
             </a:pPr>
-            <a:endParaRPr lang="en-US"/>
+            <a:endParaRPr lang="en-US" dirty="0"/>
           </a:p>
           <a:p>
             <a:pPr eaLnBrk="1" hangingPunct="1">
@@ -16835,7 +16835,7 @@
               </a:lnSpc>
             </a:pPr>
             <a:r>
-              <a:rPr lang="en-US"/>
+              <a:rPr lang="en-US" dirty="0"/>
               <a:t>Find shortest path from node A to node L using Dynamic Programming (forward method and backward method) !</a:t>
             </a:r>
           </a:p>
